--- a/TCC apresentação final banca - Alison Diego Harka Machado.pptx
+++ b/TCC apresentação final banca - Alison Diego Harka Machado.pptx
@@ -5,7 +5,7 @@
     <p:sldMasterId id="2147483660" r:id="rId1"/>
   </p:sldMasterIdLst>
   <p:notesMasterIdLst>
-    <p:notesMasterId r:id="rId19"/>
+    <p:notesMasterId r:id="rId18"/>
   </p:notesMasterIdLst>
   <p:sldIdLst>
     <p:sldId id="256" r:id="rId2"/>
@@ -23,8 +23,7 @@
     <p:sldId id="267" r:id="rId14"/>
     <p:sldId id="279" r:id="rId15"/>
     <p:sldId id="272" r:id="rId16"/>
-    <p:sldId id="281" r:id="rId17"/>
-    <p:sldId id="276" r:id="rId18"/>
+    <p:sldId id="276" r:id="rId17"/>
   </p:sldIdLst>
   <p:sldSz cx="12192000" cy="6858000"/>
   <p:notesSz cx="6858000" cy="9144000"/>
@@ -1230,7 +1229,7 @@
           <a:p>
             <a:fld id="{84146B8F-8798-4AEA-9CE7-8D47C55B8E8A}" type="datetimeFigureOut">
               <a:rPr lang="pt-BR" smtClean="0"/>
-              <a:t>16/09/2021</a:t>
+              <a:t>17/09/2021</a:t>
             </a:fld>
             <a:endParaRPr lang="pt-BR"/>
           </a:p>
@@ -1541,366 +1540,6 @@
           <a:bodyPr/>
           <a:lstStyle/>
           <a:p>
-            <a:pPr marL="0" marR="0" lvl="0" indent="0" algn="l" defTabSz="914400" rtl="0" eaLnBrk="1" fontAlgn="auto" latinLnBrk="0" hangingPunct="1">
-              <a:lnSpc>
-                <a:spcPct val="100000"/>
-              </a:lnSpc>
-              <a:spcBef>
-                <a:spcPts val="0"/>
-              </a:spcBef>
-              <a:spcAft>
-                <a:spcPts val="0"/>
-              </a:spcAft>
-              <a:buClrTx/>
-              <a:buSzTx/>
-              <a:buFontTx/>
-              <a:buNone/>
-              <a:tabLst/>
-              <a:defRPr/>
-            </a:pPr>
-            <a:r>
-              <a:rPr lang="pt-BR" sz="1000" b="1" dirty="0">
-                <a:effectLst/>
-                <a:latin typeface="+mj-lt"/>
-                <a:ea typeface="Calibri" panose="020F0502020204030204" pitchFamily="34" charset="0"/>
-                <a:cs typeface="Times New Roman" panose="02020603050405020304" pitchFamily="18" charset="0"/>
-              </a:rPr>
-              <a:t>As 3 técnicas são utilizadas para realizar predições utilizando dados.</a:t>
-            </a:r>
-          </a:p>
-          <a:p>
-            <a:pPr marL="0" marR="0" lvl="0" indent="0" algn="l" defTabSz="914400" rtl="0" eaLnBrk="1" fontAlgn="auto" latinLnBrk="0" hangingPunct="1">
-              <a:lnSpc>
-                <a:spcPct val="100000"/>
-              </a:lnSpc>
-              <a:spcBef>
-                <a:spcPts val="0"/>
-              </a:spcBef>
-              <a:spcAft>
-                <a:spcPts val="0"/>
-              </a:spcAft>
-              <a:buClrTx/>
-              <a:buSzTx/>
-              <a:buFontTx/>
-              <a:buNone/>
-              <a:tabLst/>
-              <a:defRPr/>
-            </a:pPr>
-            <a:endParaRPr lang="pt-BR" sz="1000" b="1" dirty="0">
-              <a:effectLst/>
-              <a:latin typeface="+mj-lt"/>
-              <a:ea typeface="Calibri" panose="020F0502020204030204" pitchFamily="34" charset="0"/>
-              <a:cs typeface="Times New Roman" panose="02020603050405020304" pitchFamily="18" charset="0"/>
-            </a:endParaRPr>
-          </a:p>
-          <a:p>
-            <a:pPr marL="0" marR="0" lvl="0" indent="0" algn="l" defTabSz="914400" rtl="0" eaLnBrk="1" fontAlgn="auto" latinLnBrk="0" hangingPunct="1">
-              <a:lnSpc>
-                <a:spcPct val="100000"/>
-              </a:lnSpc>
-              <a:spcBef>
-                <a:spcPts val="0"/>
-              </a:spcBef>
-              <a:spcAft>
-                <a:spcPts val="0"/>
-              </a:spcAft>
-              <a:buClrTx/>
-              <a:buSzTx/>
-              <a:buFontTx/>
-              <a:buNone/>
-              <a:tabLst/>
-              <a:defRPr/>
-            </a:pPr>
-            <a:r>
-              <a:rPr lang="pt-BR" sz="1000" b="1" dirty="0">
-                <a:effectLst/>
-                <a:latin typeface="+mj-lt"/>
-                <a:ea typeface="Calibri" panose="020F0502020204030204" pitchFamily="34" charset="0"/>
-                <a:cs typeface="Times New Roman" panose="02020603050405020304" pitchFamily="18" charset="0"/>
-              </a:rPr>
-              <a:t>Regressão linear = </a:t>
-            </a:r>
-            <a:r>
-              <a:rPr lang="pt-BR" sz="1800" b="0" i="0" u="none" strike="noStrike" baseline="0" dirty="0">
-                <a:solidFill>
-                  <a:srgbClr val="000000"/>
-                </a:solidFill>
-                <a:latin typeface="Arial" panose="020B0604020202020204" pitchFamily="34" charset="0"/>
-              </a:rPr>
-              <a:t>é a verificação da existência de um relacionamento entre duas ou mais variáveis. Por exemplo, dado X e Y, quanto que X explica Y. Para isso, a regressão linear utiliza os pontos de dados para encontrar a melhor reta de </a:t>
-            </a:r>
-          </a:p>
-          <a:p>
-            <a:pPr marL="0" marR="0" lvl="0" indent="0" algn="l" defTabSz="914400" rtl="0" eaLnBrk="1" fontAlgn="auto" latinLnBrk="0" hangingPunct="1">
-              <a:lnSpc>
-                <a:spcPct val="100000"/>
-              </a:lnSpc>
-              <a:spcBef>
-                <a:spcPts val="0"/>
-              </a:spcBef>
-              <a:spcAft>
-                <a:spcPts val="0"/>
-              </a:spcAft>
-              <a:buClrTx/>
-              <a:buSzTx/>
-              <a:buFontTx/>
-              <a:buNone/>
-              <a:tabLst/>
-              <a:defRPr/>
-            </a:pPr>
-            <a:r>
-              <a:rPr lang="pt-BR" sz="1800" b="0" i="0" u="none" strike="noStrike" baseline="0" dirty="0">
-                <a:solidFill>
-                  <a:srgbClr val="000000"/>
-                </a:solidFill>
-                <a:latin typeface="Arial" panose="020B0604020202020204" pitchFamily="34" charset="0"/>
-              </a:rPr>
-              <a:t>ajuste para modelar essa relação. Nesse trabalho, será aplicado o modelo de Regressão Linear Múltipla, pois serão utilizados mais de uma variável independente para previsão da variável dependente, definidos no método K-Best.</a:t>
-            </a:r>
-          </a:p>
-          <a:p>
-            <a:pPr marL="0" marR="0" lvl="0" indent="0" algn="l" defTabSz="914400" rtl="0" eaLnBrk="1" fontAlgn="auto" latinLnBrk="0" hangingPunct="1">
-              <a:lnSpc>
-                <a:spcPct val="100000"/>
-              </a:lnSpc>
-              <a:spcBef>
-                <a:spcPts val="0"/>
-              </a:spcBef>
-              <a:spcAft>
-                <a:spcPts val="0"/>
-              </a:spcAft>
-              <a:buClrTx/>
-              <a:buSzTx/>
-              <a:buFontTx/>
-              <a:buNone/>
-              <a:tabLst/>
-              <a:defRPr/>
-            </a:pPr>
-            <a:endParaRPr lang="pt-BR" sz="1800" b="0" i="0" u="none" strike="noStrike" baseline="0" dirty="0">
-              <a:solidFill>
-                <a:srgbClr val="000000"/>
-              </a:solidFill>
-              <a:latin typeface="Arial" panose="020B0604020202020204" pitchFamily="34" charset="0"/>
-            </a:endParaRPr>
-          </a:p>
-          <a:p>
-            <a:pPr marL="0" marR="0" lvl="0" indent="0" algn="l" defTabSz="914400" rtl="0" eaLnBrk="1" fontAlgn="auto" latinLnBrk="0" hangingPunct="1">
-              <a:lnSpc>
-                <a:spcPct val="100000"/>
-              </a:lnSpc>
-              <a:spcBef>
-                <a:spcPts val="0"/>
-              </a:spcBef>
-              <a:spcAft>
-                <a:spcPts val="0"/>
-              </a:spcAft>
-              <a:buClrTx/>
-              <a:buSzTx/>
-              <a:buFontTx/>
-              <a:buNone/>
-              <a:tabLst/>
-              <a:defRPr/>
-            </a:pPr>
-            <a:r>
-              <a:rPr lang="pt-BR" sz="1800" b="1" i="0" u="none" strike="noStrike" baseline="0" dirty="0">
-                <a:solidFill>
-                  <a:srgbClr val="000000"/>
-                </a:solidFill>
-                <a:latin typeface="Arial" panose="020B0604020202020204" pitchFamily="34" charset="0"/>
-              </a:rPr>
-              <a:t>ARIMA = </a:t>
-            </a:r>
-            <a:r>
-              <a:rPr lang="pt-BR" sz="1800" b="0" i="0" u="none" strike="noStrike" baseline="0" dirty="0">
-                <a:solidFill>
-                  <a:srgbClr val="000000"/>
-                </a:solidFill>
-                <a:latin typeface="Arial" panose="020B0604020202020204" pitchFamily="34" charset="0"/>
-              </a:rPr>
-              <a:t>algoritmo matemático que visa captar a autocorrelação entre os valores de série temporal, e com base nesse comportamento realizar previsões futuras. </a:t>
-            </a:r>
-          </a:p>
-          <a:p>
-            <a:r>
-              <a:rPr lang="pt-BR" sz="1800" b="0" i="0" u="none" strike="noStrike" baseline="0" dirty="0">
-                <a:solidFill>
-                  <a:srgbClr val="000000"/>
-                </a:solidFill>
-                <a:latin typeface="Arial" panose="020B0604020202020204" pitchFamily="34" charset="0"/>
-              </a:rPr>
-              <a:t>É uma abreviação de  </a:t>
-            </a:r>
-            <a:r>
-              <a:rPr lang="pt-BR" sz="1800" b="0" i="0" u="none" strike="noStrike" baseline="0" dirty="0">
-                <a:solidFill>
-                  <a:srgbClr val="000000"/>
-                </a:solidFill>
-                <a:latin typeface="Cambria Math" panose="02040503050406030204" pitchFamily="18" charset="0"/>
-              </a:rPr>
-              <a:t>𝑝 – AR (autorregressão) ,  𝑑 – I (integração) , 𝑞 – MA (média móvel).</a:t>
-            </a:r>
-          </a:p>
-          <a:p>
-            <a:endParaRPr lang="pt-BR" sz="1800" b="0" i="0" u="none" strike="noStrike" baseline="0" dirty="0">
-              <a:solidFill>
-                <a:srgbClr val="000000"/>
-              </a:solidFill>
-              <a:latin typeface="Cambria Math" panose="02040503050406030204" pitchFamily="18" charset="0"/>
-            </a:endParaRPr>
-          </a:p>
-          <a:p>
-            <a:r>
-              <a:rPr lang="pt-BR" sz="1800" b="1" i="0" u="none" strike="noStrike" baseline="0" dirty="0">
-                <a:solidFill>
-                  <a:srgbClr val="000000"/>
-                </a:solidFill>
-                <a:latin typeface="Cambria Math" panose="02040503050406030204" pitchFamily="18" charset="0"/>
-              </a:rPr>
-              <a:t>MLP = </a:t>
-            </a:r>
-            <a:r>
-              <a:rPr lang="pt-BR" sz="1800" b="0" i="0" u="none" strike="noStrike" baseline="0" dirty="0">
-                <a:solidFill>
-                  <a:srgbClr val="000000"/>
-                </a:solidFill>
-                <a:latin typeface="Arial" panose="020B0604020202020204" pitchFamily="34" charset="0"/>
-              </a:rPr>
-              <a:t>são técnicas computacionais que apresentam um modelo matemático inspirado na estrutura neural de organismos inteligentes e que adquirem conhecimento através da experiência. </a:t>
-            </a:r>
-          </a:p>
-          <a:p>
-            <a:r>
-              <a:rPr lang="pt-BR" sz="1800" b="0" i="0" u="none" strike="noStrike" baseline="0" dirty="0">
-                <a:solidFill>
-                  <a:srgbClr val="000000"/>
-                </a:solidFill>
-                <a:latin typeface="Arial" panose="020B0604020202020204" pitchFamily="34" charset="0"/>
-              </a:rPr>
-              <a:t>Redes MLP </a:t>
-            </a:r>
-            <a:r>
-              <a:rPr lang="fr-FR" sz="1800" b="0" i="0" u="none" strike="noStrike" baseline="0" dirty="0" err="1">
-                <a:solidFill>
-                  <a:srgbClr val="000000"/>
-                </a:solidFill>
-                <a:latin typeface="Arial" panose="020B0604020202020204" pitchFamily="34" charset="0"/>
-              </a:rPr>
-              <a:t>possuem</a:t>
-            </a:r>
-            <a:r>
-              <a:rPr lang="fr-FR" sz="1800" b="0" i="0" u="none" strike="noStrike" baseline="0" dirty="0">
-                <a:solidFill>
-                  <a:srgbClr val="000000"/>
-                </a:solidFill>
-                <a:latin typeface="Arial" panose="020B0604020202020204" pitchFamily="34" charset="0"/>
-              </a:rPr>
-              <a:t> </a:t>
-            </a:r>
-            <a:r>
-              <a:rPr lang="fr-FR" sz="1800" b="0" i="0" u="none" strike="noStrike" baseline="0" dirty="0" err="1">
-                <a:solidFill>
-                  <a:srgbClr val="000000"/>
-                </a:solidFill>
-                <a:latin typeface="Arial" panose="020B0604020202020204" pitchFamily="34" charset="0"/>
-              </a:rPr>
-              <a:t>multiplas</a:t>
-            </a:r>
-            <a:r>
-              <a:rPr lang="fr-FR" sz="1800" b="0" i="0" u="none" strike="noStrike" baseline="0" dirty="0">
-                <a:solidFill>
-                  <a:srgbClr val="000000"/>
-                </a:solidFill>
-                <a:latin typeface="Arial" panose="020B0604020202020204" pitchFamily="34" charset="0"/>
-              </a:rPr>
-              <a:t> </a:t>
-            </a:r>
-            <a:r>
-              <a:rPr lang="fr-FR" sz="1800" b="0" i="0" u="none" strike="noStrike" baseline="0" dirty="0" err="1">
-                <a:solidFill>
-                  <a:srgbClr val="000000"/>
-                </a:solidFill>
-                <a:latin typeface="Arial" panose="020B0604020202020204" pitchFamily="34" charset="0"/>
-              </a:rPr>
-              <a:t>camadas</a:t>
-            </a:r>
-            <a:r>
-              <a:rPr lang="fr-FR" sz="1800" b="0" i="0" u="none" strike="noStrike" baseline="0" dirty="0">
-                <a:solidFill>
-                  <a:srgbClr val="000000"/>
-                </a:solidFill>
-                <a:latin typeface="Arial" panose="020B0604020202020204" pitchFamily="34" charset="0"/>
-              </a:rPr>
-              <a:t> de </a:t>
-            </a:r>
-            <a:r>
-              <a:rPr lang="fr-FR" sz="1800" b="0" i="0" u="none" strike="noStrike" baseline="0" dirty="0" err="1">
-                <a:solidFill>
-                  <a:srgbClr val="000000"/>
-                </a:solidFill>
-                <a:latin typeface="Arial" panose="020B0604020202020204" pitchFamily="34" charset="0"/>
-              </a:rPr>
-              <a:t>neurônios</a:t>
-            </a:r>
-            <a:r>
-              <a:rPr lang="fr-FR" sz="1800" b="0" i="0" u="none" strike="noStrike" baseline="0" dirty="0">
-                <a:solidFill>
-                  <a:srgbClr val="000000"/>
-                </a:solidFill>
-                <a:latin typeface="Arial" panose="020B0604020202020204" pitchFamily="34" charset="0"/>
-              </a:rPr>
-              <a:t> </a:t>
-            </a:r>
-            <a:r>
-              <a:rPr lang="fr-FR" sz="1800" b="0" i="0" u="none" strike="noStrike" baseline="0" dirty="0" err="1">
-                <a:solidFill>
-                  <a:srgbClr val="000000"/>
-                </a:solidFill>
-                <a:latin typeface="Arial" panose="020B0604020202020204" pitchFamily="34" charset="0"/>
-              </a:rPr>
-              <a:t>artificiais</a:t>
-            </a:r>
-            <a:r>
-              <a:rPr lang="fr-FR" sz="1800" b="0" i="0" u="none" strike="noStrike" baseline="0" dirty="0">
-                <a:solidFill>
-                  <a:srgbClr val="000000"/>
-                </a:solidFill>
-                <a:latin typeface="Arial" panose="020B0604020202020204" pitchFamily="34" charset="0"/>
-              </a:rPr>
-              <a:t>.</a:t>
-            </a:r>
-            <a:endParaRPr lang="pt-BR" sz="1800" b="1" i="0" u="none" strike="noStrike" baseline="0" dirty="0">
-              <a:solidFill>
-                <a:srgbClr val="000000"/>
-              </a:solidFill>
-              <a:latin typeface="Arial" panose="020B0604020202020204" pitchFamily="34" charset="0"/>
-            </a:endParaRPr>
-          </a:p>
-          <a:p>
-            <a:pPr marL="0" marR="0" lvl="0" indent="0" algn="l" defTabSz="914400" rtl="0" eaLnBrk="1" fontAlgn="auto" latinLnBrk="0" hangingPunct="1">
-              <a:lnSpc>
-                <a:spcPct val="100000"/>
-              </a:lnSpc>
-              <a:spcBef>
-                <a:spcPts val="0"/>
-              </a:spcBef>
-              <a:spcAft>
-                <a:spcPts val="0"/>
-              </a:spcAft>
-              <a:buClrTx/>
-              <a:buSzTx/>
-              <a:buFontTx/>
-              <a:buNone/>
-              <a:tabLst/>
-              <a:defRPr/>
-            </a:pPr>
-            <a:endParaRPr lang="pt-BR" sz="1800" b="1" i="0" u="none" strike="noStrike" baseline="0" dirty="0">
-              <a:solidFill>
-                <a:srgbClr val="000000"/>
-              </a:solidFill>
-              <a:latin typeface="Arial" panose="020B0604020202020204" pitchFamily="34" charset="0"/>
-            </a:endParaRPr>
-          </a:p>
-          <a:p>
             <a:endParaRPr lang="fr-FR" sz="1800" b="0" i="0" u="none" strike="noStrike" baseline="0" dirty="0">
               <a:solidFill>
                 <a:srgbClr val="000000"/>
@@ -3765,15 +3404,21 @@
           <a:lstStyle/>
           <a:p>
             <a:r>
-              <a:rPr lang="pt-BR" dirty="0"/>
-              <a:t>(*) resultado de uma média de 5 execuções. Já que o redes neurais de múltiplas camadas a cada iteração o peso pode mudar e alterar o resultado.</a:t>
-            </a:r>
-          </a:p>
-          <a:p>
-            <a:endParaRPr lang="pt-BR" dirty="0">
+              <a:rPr lang="pt-BR" sz="1800" b="1" i="0" u="none" strike="noStrike" baseline="0" dirty="0">
+                <a:solidFill>
+                  <a:srgbClr val="C00000"/>
+                </a:solidFill>
+                <a:latin typeface="Arial" panose="020B0604020202020204" pitchFamily="34" charset="0"/>
+              </a:rPr>
+              <a:t>*** Essa Diferença do RESULTADO da etapa avaliação e validação pode ocorrer devido à dificuldade que o modelo tem em realizar uma predição exata. Inclusive, essa dificuldade já é apresentada na etapa de teste onde há a presença de um erro. </a:t>
+            </a:r>
+          </a:p>
+          <a:p>
+            <a:endParaRPr lang="pt-BR" sz="1800" b="1" i="0" u="none" strike="noStrike" baseline="0" dirty="0">
               <a:solidFill>
                 <a:srgbClr val="C00000"/>
               </a:solidFill>
+              <a:latin typeface="Arial" panose="020B0604020202020204" pitchFamily="34" charset="0"/>
             </a:endParaRPr>
           </a:p>
           <a:p>
@@ -3784,8 +3429,52 @@
                 </a:solidFill>
                 <a:latin typeface="Arial" panose="020B0604020202020204" pitchFamily="34" charset="0"/>
               </a:rPr>
-              <a:t>*** Essa Diferença do RESULTADO da etapa avaliação e validação pode ocorrer devido à dificuldade que o modelo tem em realizar uma predição exata. Inclusive, essa dificuldade já é apresentada na etapa de teste onde há a presença de um erro. </a:t>
-            </a:r>
+              <a:t>Além disso, entre as vantagens percebidas dos modelos é que a regressão linear foi o modelo com menor tempo de treino, e o modelo </a:t>
+            </a:r>
+            <a:r>
+              <a:rPr lang="pt-BR" sz="1800" b="1" i="0" u="none" strike="noStrike" baseline="0" dirty="0" err="1">
+                <a:solidFill>
+                  <a:srgbClr val="C00000"/>
+                </a:solidFill>
+                <a:latin typeface="Arial" panose="020B0604020202020204" pitchFamily="34" charset="0"/>
+              </a:rPr>
+              <a:t>arima</a:t>
+            </a:r>
+            <a:r>
+              <a:rPr lang="pt-BR" sz="1800" b="1" i="0" u="none" strike="noStrike" baseline="0" dirty="0">
+                <a:solidFill>
+                  <a:srgbClr val="C00000"/>
+                </a:solidFill>
+                <a:latin typeface="Arial" panose="020B0604020202020204" pitchFamily="34" charset="0"/>
+              </a:rPr>
+              <a:t> foi excelente para realizar previsões.</a:t>
+            </a:r>
+          </a:p>
+          <a:p>
+            <a:r>
+              <a:rPr lang="pt-BR" sz="1800" b="1" i="0" u="none" strike="noStrike" baseline="0" dirty="0">
+                <a:solidFill>
+                  <a:srgbClr val="C00000"/>
+                </a:solidFill>
+                <a:latin typeface="Arial" panose="020B0604020202020204" pitchFamily="34" charset="0"/>
+              </a:rPr>
+              <a:t>já as desvantagens percebidas foi que o modelo MLP teve o maior tempo para treinamento e consumiu bastante </a:t>
+            </a:r>
+            <a:r>
+              <a:rPr lang="pt-BR" sz="1800" b="1" i="0" u="none" strike="noStrike" baseline="0">
+                <a:solidFill>
+                  <a:srgbClr val="C00000"/>
+                </a:solidFill>
+                <a:latin typeface="Arial" panose="020B0604020202020204" pitchFamily="34" charset="0"/>
+              </a:rPr>
+              <a:t>recurso computacional.</a:t>
+            </a:r>
+            <a:endParaRPr lang="pt-BR" sz="1800" b="1" i="0" u="none" strike="noStrike" baseline="0" dirty="0">
+              <a:solidFill>
+                <a:srgbClr val="C00000"/>
+              </a:solidFill>
+              <a:latin typeface="Arial" panose="020B0604020202020204" pitchFamily="34" charset="0"/>
+            </a:endParaRPr>
           </a:p>
           <a:p>
             <a:endParaRPr lang="pt-BR" sz="1800" b="1" i="0" u="none" strike="noStrike" baseline="0" dirty="0">
@@ -3909,14 +3598,6 @@
           <a:bodyPr/>
           <a:lstStyle/>
           <a:p>
-            <a:r>
-              <a:rPr lang="pt-BR" dirty="0"/>
-              <a:t>Tabela com algumas vantagens e desvantagens de cada </a:t>
-            </a:r>
-            <a:r>
-              <a:rPr lang="pt-BR"/>
-              <a:t>modelo desenvolvido.</a:t>
-            </a:r>
             <a:endParaRPr lang="pt-BR" dirty="0"/>
           </a:p>
         </p:txBody>
@@ -3939,90 +3620,6 @@
             <a:fld id="{5B3D6B5E-29DC-4508-836F-7B1CB0DF6138}" type="slidenum">
               <a:rPr lang="pt-BR" smtClean="0"/>
               <a:t>16</a:t>
-            </a:fld>
-            <a:endParaRPr lang="pt-BR"/>
-          </a:p>
-        </p:txBody>
-      </p:sp>
-    </p:spTree>
-    <p:extLst>
-      <p:ext uri="{BB962C8B-B14F-4D97-AF65-F5344CB8AC3E}">
-        <p14:creationId xmlns:p14="http://schemas.microsoft.com/office/powerpoint/2010/main" val="3858133295"/>
-      </p:ext>
-    </p:extLst>
-  </p:cSld>
-  <p:clrMapOvr>
-    <a:masterClrMapping/>
-  </p:clrMapOvr>
-</p:notes>
-</file>
-
-<file path=ppt/notesSlides/notesSlide17.xml><?xml version="1.0" encoding="utf-8"?>
-<p:notes xmlns:a="http://schemas.openxmlformats.org/drawingml/2006/main" xmlns:r="http://schemas.openxmlformats.org/officeDocument/2006/relationships" xmlns:p="http://schemas.openxmlformats.org/presentationml/2006/main">
-  <p:cSld>
-    <p:spTree>
-      <p:nvGrpSpPr>
-        <p:cNvPr id="1" name=""/>
-        <p:cNvGrpSpPr/>
-        <p:nvPr/>
-      </p:nvGrpSpPr>
-      <p:grpSpPr>
-        <a:xfrm>
-          <a:off x="0" y="0"/>
-          <a:ext cx="0" cy="0"/>
-          <a:chOff x="0" y="0"/>
-          <a:chExt cx="0" cy="0"/>
-        </a:xfrm>
-      </p:grpSpPr>
-      <p:sp>
-        <p:nvSpPr>
-          <p:cNvPr id="2" name="Espaço Reservado para Imagem de Slide 1"/>
-          <p:cNvSpPr>
-            <a:spLocks noGrp="1" noRot="1" noChangeAspect="1"/>
-          </p:cNvSpPr>
-          <p:nvPr>
-            <p:ph type="sldImg"/>
-          </p:nvPr>
-        </p:nvSpPr>
-        <p:spPr/>
-      </p:sp>
-      <p:sp>
-        <p:nvSpPr>
-          <p:cNvPr id="3" name="Espaço Reservado para Anotações 2"/>
-          <p:cNvSpPr>
-            <a:spLocks noGrp="1"/>
-          </p:cNvSpPr>
-          <p:nvPr>
-            <p:ph type="body" idx="1"/>
-          </p:nvPr>
-        </p:nvSpPr>
-        <p:spPr/>
-        <p:txBody>
-          <a:bodyPr/>
-          <a:lstStyle/>
-          <a:p>
-            <a:endParaRPr lang="pt-BR" dirty="0"/>
-          </a:p>
-        </p:txBody>
-      </p:sp>
-      <p:sp>
-        <p:nvSpPr>
-          <p:cNvPr id="4" name="Espaço Reservado para Número de Slide 3"/>
-          <p:cNvSpPr>
-            <a:spLocks noGrp="1"/>
-          </p:cNvSpPr>
-          <p:nvPr>
-            <p:ph type="sldNum" sz="quarter" idx="5"/>
-          </p:nvPr>
-        </p:nvSpPr>
-        <p:spPr/>
-        <p:txBody>
-          <a:bodyPr/>
-          <a:lstStyle/>
-          <a:p>
-            <a:fld id="{5B3D6B5E-29DC-4508-836F-7B1CB0DF6138}" type="slidenum">
-              <a:rPr lang="pt-BR" smtClean="0"/>
-              <a:t>17</a:t>
             </a:fld>
             <a:endParaRPr lang="pt-BR"/>
           </a:p>
@@ -4092,7 +3689,7 @@
                 </a:solidFill>
                 <a:latin typeface="Arial" panose="020B0604020202020204" pitchFamily="34" charset="0"/>
               </a:rPr>
-              <a:t>Inicialmente, destacamos o mercado financeiro brasileiro, que tem se tornado cada vez mais uma oportunidade para quem deseja obter outras fontes de renda.</a:t>
+              <a:t>Inicialmente, destacamos o mercado financeiro brasileiro, que tem se tornado cada vez mais uma oportunidade para quem deseja obter outras fontes de renda por meio de investimentos, e desses investimentos destaca-se as ações.</a:t>
             </a:r>
           </a:p>
           <a:p>
@@ -4103,7 +3700,7 @@
                 </a:solidFill>
                 <a:latin typeface="Arial" panose="020B0604020202020204" pitchFamily="34" charset="0"/>
               </a:rPr>
-              <a:t>Desses investimentos, destaca-se as </a:t>
+              <a:t>As </a:t>
             </a:r>
             <a:r>
               <a:rPr lang="pt-BR" sz="1800" b="1" i="0" u="none" strike="noStrike" baseline="0" dirty="0">
@@ -4112,7 +3709,7 @@
                 </a:solidFill>
                 <a:latin typeface="Arial" panose="020B0604020202020204" pitchFamily="34" charset="0"/>
               </a:rPr>
-              <a:t>Ações (que são títulos emitidos por empresas que representam uma parte do capital delas).</a:t>
+              <a:t>Ações que são títulos emitidos por empresas que representam uma parte do capital delas, então, quando o investidor adquiri ações ele está se tornando uma espécie de sócio dessa empresa.</a:t>
             </a:r>
           </a:p>
           <a:p>
@@ -4131,7 +3728,25 @@
                 </a:solidFill>
                 <a:latin typeface="Arial" panose="020B0604020202020204" pitchFamily="34" charset="0"/>
               </a:rPr>
-              <a:t>As ações estão se tornando atrativas aos brasileiros, pois:</a:t>
+              <a:t>Além disso</a:t>
+            </a:r>
+            <a:r>
+              <a:rPr lang="pt-BR" sz="1800" b="0" i="0" u="none" strike="noStrike" baseline="0">
+                <a:solidFill>
+                  <a:srgbClr val="000000"/>
+                </a:solidFill>
+                <a:latin typeface="Arial" panose="020B0604020202020204" pitchFamily="34" charset="0"/>
+              </a:rPr>
+              <a:t>, s </a:t>
+            </a:r>
+            <a:r>
+              <a:rPr lang="pt-BR" sz="1800" b="0" i="0" u="none" strike="noStrike" baseline="0" dirty="0">
+                <a:solidFill>
+                  <a:srgbClr val="000000"/>
+                </a:solidFill>
+                <a:latin typeface="Arial" panose="020B0604020202020204" pitchFamily="34" charset="0"/>
+              </a:rPr>
+              <a:t>ações estão se tornando atrativas aos brasileiros, pois:</a:t>
             </a:r>
           </a:p>
           <a:p>
@@ -5610,7 +5225,7 @@
           <a:p>
             <a:fld id="{C77013D0-638E-4A33-AB34-86019814C299}" type="datetime1">
               <a:rPr lang="pt-BR" smtClean="0"/>
-              <a:t>16/09/2021</a:t>
+              <a:t>17/09/2021</a:t>
             </a:fld>
             <a:endParaRPr lang="pt-BR"/>
           </a:p>
@@ -5818,7 +5433,7 @@
           <a:p>
             <a:fld id="{6845D7A3-C44C-4CDA-B138-8C4A0803885C}" type="datetime1">
               <a:rPr lang="pt-BR" smtClean="0"/>
-              <a:t>16/09/2021</a:t>
+              <a:t>17/09/2021</a:t>
             </a:fld>
             <a:endParaRPr lang="pt-BR"/>
           </a:p>
@@ -6074,7 +5689,7 @@
           <a:p>
             <a:fld id="{23611A69-02C5-464B-95F9-DA0C800AA55B}" type="datetime1">
               <a:rPr lang="pt-BR" smtClean="0"/>
-              <a:t>16/09/2021</a:t>
+              <a:t>17/09/2021</a:t>
             </a:fld>
             <a:endParaRPr lang="pt-BR"/>
           </a:p>
@@ -6248,7 +5863,7 @@
           <a:p>
             <a:fld id="{75CBB99C-8086-4DC3-AEF2-D6A66F657597}" type="datetime1">
               <a:rPr lang="pt-BR" smtClean="0"/>
-              <a:t>16/09/2021</a:t>
+              <a:t>17/09/2021</a:t>
             </a:fld>
             <a:endParaRPr lang="pt-BR"/>
           </a:p>
@@ -6591,7 +6206,7 @@
           <a:p>
             <a:fld id="{8D8A7CDF-04D8-436B-9A05-6C4F04B20E12}" type="datetime1">
               <a:rPr lang="pt-BR" smtClean="0"/>
-              <a:t>16/09/2021</a:t>
+              <a:t>17/09/2021</a:t>
             </a:fld>
             <a:endParaRPr lang="pt-BR"/>
           </a:p>
@@ -6866,7 +6481,7 @@
           <a:p>
             <a:fld id="{E3853FB9-68D1-4345-9CD9-1D55548DA4A1}" type="datetime1">
               <a:rPr lang="pt-BR" smtClean="0"/>
-              <a:t>16/09/2021</a:t>
+              <a:t>17/09/2021</a:t>
             </a:fld>
             <a:endParaRPr lang="pt-BR"/>
           </a:p>
@@ -7245,7 +6860,7 @@
           <a:p>
             <a:fld id="{F79F59ED-521D-463C-814D-AA5A91792FE9}" type="datetime1">
               <a:rPr lang="pt-BR" smtClean="0"/>
-              <a:t>16/09/2021</a:t>
+              <a:t>17/09/2021</a:t>
             </a:fld>
             <a:endParaRPr lang="pt-BR"/>
           </a:p>
@@ -7363,7 +6978,7 @@
           <a:p>
             <a:fld id="{B08FAB60-8090-4312-85B1-DB14B18B2ABE}" type="datetime1">
               <a:rPr lang="pt-BR" smtClean="0"/>
-              <a:t>16/09/2021</a:t>
+              <a:t>17/09/2021</a:t>
             </a:fld>
             <a:endParaRPr lang="pt-BR"/>
           </a:p>
@@ -7534,7 +7149,7 @@
           <a:p>
             <a:fld id="{A13E2296-15AD-401D-B7A0-A50CEE3727E9}" type="datetime1">
               <a:rPr lang="pt-BR" smtClean="0"/>
-              <a:t>16/09/2021</a:t>
+              <a:t>17/09/2021</a:t>
             </a:fld>
             <a:endParaRPr lang="pt-BR"/>
           </a:p>
@@ -7888,7 +7503,7 @@
           <a:p>
             <a:fld id="{94167E4E-978C-4389-A1A8-810735C39D28}" type="datetime1">
               <a:rPr lang="pt-BR" smtClean="0"/>
-              <a:t>16/09/2021</a:t>
+              <a:t>17/09/2021</a:t>
             </a:fld>
             <a:endParaRPr lang="pt-BR"/>
           </a:p>
@@ -8270,7 +7885,7 @@
           <a:p>
             <a:fld id="{CA6C894B-AEA0-4090-A811-CFF51C98AFF9}" type="datetime1">
               <a:rPr lang="pt-BR" smtClean="0"/>
-              <a:t>16/09/2021</a:t>
+              <a:t>17/09/2021</a:t>
             </a:fld>
             <a:endParaRPr lang="pt-BR"/>
           </a:p>
@@ -8557,7 +8172,7 @@
           <a:p>
             <a:fld id="{C38B8EFF-515A-44E9-87F6-E62D4BFA54EA}" type="datetime1">
               <a:rPr lang="pt-BR" smtClean="0"/>
-              <a:t>16/09/2021</a:t>
+              <a:t>17/09/2021</a:t>
             </a:fld>
             <a:endParaRPr lang="pt-BR"/>
           </a:p>
@@ -14951,674 +14566,6 @@
 </file>
 
 <file path=ppt/slides/slide16.xml><?xml version="1.0" encoding="utf-8"?>
-<p:sld xmlns:a="http://schemas.openxmlformats.org/drawingml/2006/main" xmlns:r="http://schemas.openxmlformats.org/officeDocument/2006/relationships" xmlns:p="http://schemas.openxmlformats.org/presentationml/2006/main">
-  <p:cSld>
-    <p:spTree>
-      <p:nvGrpSpPr>
-        <p:cNvPr id="1" name=""/>
-        <p:cNvGrpSpPr/>
-        <p:nvPr/>
-      </p:nvGrpSpPr>
-      <p:grpSpPr>
-        <a:xfrm>
-          <a:off x="0" y="0"/>
-          <a:ext cx="0" cy="0"/>
-          <a:chOff x="0" y="0"/>
-          <a:chExt cx="0" cy="0"/>
-        </a:xfrm>
-      </p:grpSpPr>
-      <p:sp>
-        <p:nvSpPr>
-          <p:cNvPr id="2" name="Título 1">
-            <a:extLst>
-              <a:ext uri="{FF2B5EF4-FFF2-40B4-BE49-F238E27FC236}">
-                <a16:creationId xmlns:a16="http://schemas.microsoft.com/office/drawing/2014/main" id="{C96E698D-5396-4058-B4FF-A9DCB4DF702C}"/>
-              </a:ext>
-            </a:extLst>
-          </p:cNvPr>
-          <p:cNvSpPr>
-            <a:spLocks noGrp="1"/>
-          </p:cNvSpPr>
-          <p:nvPr>
-            <p:ph type="title"/>
-          </p:nvPr>
-        </p:nvSpPr>
-        <p:spPr/>
-        <p:txBody>
-          <a:bodyPr>
-            <a:normAutofit/>
-          </a:bodyPr>
-          <a:lstStyle/>
-          <a:p>
-            <a:r>
-              <a:rPr lang="pt-BR" sz="4500" dirty="0"/>
-              <a:t>Interpretação dos Resultados</a:t>
-            </a:r>
-          </a:p>
-        </p:txBody>
-      </p:sp>
-      <p:pic>
-        <p:nvPicPr>
-          <p:cNvPr id="19" name="Imagem 18">
-            <a:extLst>
-              <a:ext uri="{FF2B5EF4-FFF2-40B4-BE49-F238E27FC236}">
-                <a16:creationId xmlns:a16="http://schemas.microsoft.com/office/drawing/2014/main" id="{140F9B6B-B0D0-456E-BB3C-F6CFDCFFA2D2}"/>
-              </a:ext>
-            </a:extLst>
-          </p:cNvPr>
-          <p:cNvPicPr>
-            <a:picLocks noChangeAspect="1"/>
-          </p:cNvPicPr>
-          <p:nvPr/>
-        </p:nvPicPr>
-        <p:blipFill>
-          <a:blip r:embed="rId3"/>
-          <a:stretch>
-            <a:fillRect/>
-          </a:stretch>
-        </p:blipFill>
-        <p:spPr>
-          <a:xfrm>
-            <a:off x="10231408" y="744660"/>
-            <a:ext cx="962025" cy="981075"/>
-          </a:xfrm>
-          <a:prstGeom prst="rect">
-            <a:avLst/>
-          </a:prstGeom>
-        </p:spPr>
-      </p:pic>
-      <p:sp>
-        <p:nvSpPr>
-          <p:cNvPr id="12" name="Espaço Reservado para Número de Slide 5">
-            <a:extLst>
-              <a:ext uri="{FF2B5EF4-FFF2-40B4-BE49-F238E27FC236}">
-                <a16:creationId xmlns:a16="http://schemas.microsoft.com/office/drawing/2014/main" id="{B3FA3448-FDD7-488E-A644-AB6C628BA12C}"/>
-              </a:ext>
-            </a:extLst>
-          </p:cNvPr>
-          <p:cNvSpPr>
-            <a:spLocks noGrp="1"/>
-          </p:cNvSpPr>
-          <p:nvPr>
-            <p:ph type="sldNum" sz="quarter" idx="12"/>
-          </p:nvPr>
-        </p:nvSpPr>
-        <p:spPr>
-          <a:xfrm>
-            <a:off x="9900458" y="6459785"/>
-            <a:ext cx="1312025" cy="365125"/>
-          </a:xfrm>
-        </p:spPr>
-        <p:txBody>
-          <a:bodyPr>
-            <a:normAutofit/>
-          </a:bodyPr>
-          <a:lstStyle/>
-          <a:p>
-            <a:pPr>
-              <a:spcAft>
-                <a:spcPts val="600"/>
-              </a:spcAft>
-            </a:pPr>
-            <a:fld id="{96C7072D-3C4C-4F98-A70A-7E031AA00953}" type="slidenum">
-              <a:rPr lang="pt-BR" sz="1400" smtClean="0"/>
-              <a:pPr>
-                <a:spcAft>
-                  <a:spcPts val="600"/>
-                </a:spcAft>
-              </a:pPr>
-              <a:t>16</a:t>
-            </a:fld>
-            <a:endParaRPr lang="pt-BR" sz="1400" dirty="0"/>
-          </a:p>
-        </p:txBody>
-      </p:sp>
-      <p:graphicFrame>
-        <p:nvGraphicFramePr>
-          <p:cNvPr id="18" name="Tabela 17">
-            <a:extLst>
-              <a:ext uri="{FF2B5EF4-FFF2-40B4-BE49-F238E27FC236}">
-                <a16:creationId xmlns:a16="http://schemas.microsoft.com/office/drawing/2014/main" id="{3C255D3B-9021-47AE-A394-4A5A7EC87B65}"/>
-              </a:ext>
-            </a:extLst>
-          </p:cNvPr>
-          <p:cNvGraphicFramePr>
-            <a:graphicFrameLocks noGrp="1"/>
-          </p:cNvGraphicFramePr>
-          <p:nvPr>
-            <p:extLst>
-              <p:ext uri="{D42A27DB-BD31-4B8C-83A1-F6EECF244321}">
-                <p14:modId xmlns:p14="http://schemas.microsoft.com/office/powerpoint/2010/main" val="3094643174"/>
-              </p:ext>
-            </p:extLst>
-          </p:nvPr>
-        </p:nvGraphicFramePr>
-        <p:xfrm>
-          <a:off x="1096962" y="2195417"/>
-          <a:ext cx="10058400" cy="3631194"/>
-        </p:xfrm>
-        <a:graphic>
-          <a:graphicData uri="http://schemas.openxmlformats.org/drawingml/2006/table">
-            <a:tbl>
-              <a:tblPr firstRow="1" firstCol="1" bandRow="1">
-                <a:tableStyleId>{5940675A-B579-460E-94D1-54222C63F5DA}</a:tableStyleId>
-              </a:tblPr>
-              <a:tblGrid>
-                <a:gridCol w="2971251">
-                  <a:extLst>
-                    <a:ext uri="{9D8B030D-6E8A-4147-A177-3AD203B41FA5}">
-                      <a16:colId xmlns:a16="http://schemas.microsoft.com/office/drawing/2014/main" val="2065132581"/>
-                    </a:ext>
-                  </a:extLst>
-                </a:gridCol>
-                <a:gridCol w="3717585">
-                  <a:extLst>
-                    <a:ext uri="{9D8B030D-6E8A-4147-A177-3AD203B41FA5}">
-                      <a16:colId xmlns:a16="http://schemas.microsoft.com/office/drawing/2014/main" val="3577825083"/>
-                    </a:ext>
-                  </a:extLst>
-                </a:gridCol>
-                <a:gridCol w="3369564">
-                  <a:extLst>
-                    <a:ext uri="{9D8B030D-6E8A-4147-A177-3AD203B41FA5}">
-                      <a16:colId xmlns:a16="http://schemas.microsoft.com/office/drawing/2014/main" val="497597616"/>
-                    </a:ext>
-                  </a:extLst>
-                </a:gridCol>
-              </a:tblGrid>
-              <a:tr h="409560">
-                <a:tc>
-                  <a:txBody>
-                    <a:bodyPr/>
-                    <a:lstStyle/>
-                    <a:p>
-                      <a:pPr algn="ctr">
-                        <a:lnSpc>
-                          <a:spcPct val="107000"/>
-                        </a:lnSpc>
-                        <a:spcAft>
-                          <a:spcPts val="800"/>
-                        </a:spcAft>
-                      </a:pPr>
-                      <a:r>
-                        <a:rPr lang="pt-BR" sz="1200" b="1" dirty="0">
-                          <a:effectLst/>
-                        </a:rPr>
-                        <a:t>MODELO</a:t>
-                      </a:r>
-                      <a:endParaRPr lang="pt-BR" sz="1200" b="1" dirty="0">
-                        <a:effectLst/>
-                        <a:latin typeface="Calibri" panose="020F0502020204030204" pitchFamily="34" charset="0"/>
-                        <a:ea typeface="Calibri" panose="020F0502020204030204" pitchFamily="34" charset="0"/>
-                        <a:cs typeface="Times New Roman" panose="02020603050405020304" pitchFamily="18" charset="0"/>
-                      </a:endParaRPr>
-                    </a:p>
-                  </a:txBody>
-                  <a:tcPr marL="66040" marR="66040" marT="9525" marB="0" anchor="ctr">
-                    <a:solidFill>
-                      <a:schemeClr val="bg1">
-                        <a:lumMod val="85000"/>
-                      </a:schemeClr>
-                    </a:solidFill>
-                  </a:tcPr>
-                </a:tc>
-                <a:tc>
-                  <a:txBody>
-                    <a:bodyPr/>
-                    <a:lstStyle/>
-                    <a:p>
-                      <a:pPr algn="ctr">
-                        <a:lnSpc>
-                          <a:spcPct val="107000"/>
-                        </a:lnSpc>
-                        <a:spcAft>
-                          <a:spcPts val="800"/>
-                        </a:spcAft>
-                      </a:pPr>
-                      <a:r>
-                        <a:rPr lang="pt-BR" sz="1200" b="1" dirty="0">
-                          <a:effectLst/>
-                        </a:rPr>
-                        <a:t>VANTAGENS</a:t>
-                      </a:r>
-                      <a:endParaRPr lang="pt-BR" sz="1200" b="1" dirty="0">
-                        <a:effectLst/>
-                        <a:latin typeface="Calibri" panose="020F0502020204030204" pitchFamily="34" charset="0"/>
-                        <a:ea typeface="Calibri" panose="020F0502020204030204" pitchFamily="34" charset="0"/>
-                        <a:cs typeface="Times New Roman" panose="02020603050405020304" pitchFamily="18" charset="0"/>
-                      </a:endParaRPr>
-                    </a:p>
-                  </a:txBody>
-                  <a:tcPr marL="66040" marR="66040" marT="9525" marB="0" anchor="ctr">
-                    <a:solidFill>
-                      <a:schemeClr val="bg1">
-                        <a:lumMod val="85000"/>
-                      </a:schemeClr>
-                    </a:solidFill>
-                  </a:tcPr>
-                </a:tc>
-                <a:tc>
-                  <a:txBody>
-                    <a:bodyPr/>
-                    <a:lstStyle/>
-                    <a:p>
-                      <a:pPr algn="ctr">
-                        <a:lnSpc>
-                          <a:spcPct val="107000"/>
-                        </a:lnSpc>
-                        <a:spcAft>
-                          <a:spcPts val="800"/>
-                        </a:spcAft>
-                      </a:pPr>
-                      <a:r>
-                        <a:rPr lang="pt-BR" sz="1200" b="1" dirty="0">
-                          <a:effectLst/>
-                        </a:rPr>
-                        <a:t>DESVANTAGENS</a:t>
-                      </a:r>
-                      <a:endParaRPr lang="pt-BR" sz="1200" b="1" dirty="0">
-                        <a:effectLst/>
-                        <a:latin typeface="Calibri" panose="020F0502020204030204" pitchFamily="34" charset="0"/>
-                        <a:ea typeface="Calibri" panose="020F0502020204030204" pitchFamily="34" charset="0"/>
-                        <a:cs typeface="Times New Roman" panose="02020603050405020304" pitchFamily="18" charset="0"/>
-                      </a:endParaRPr>
-                    </a:p>
-                  </a:txBody>
-                  <a:tcPr marL="66040" marR="66040" marT="9525" marB="0" anchor="ctr">
-                    <a:solidFill>
-                      <a:schemeClr val="bg1">
-                        <a:lumMod val="85000"/>
-                      </a:schemeClr>
-                    </a:solidFill>
-                  </a:tcPr>
-                </a:tc>
-                <a:extLst>
-                  <a:ext uri="{0D108BD9-81ED-4DB2-BD59-A6C34878D82A}">
-                    <a16:rowId xmlns:a16="http://schemas.microsoft.com/office/drawing/2014/main" val="3684376013"/>
-                  </a:ext>
-                </a:extLst>
-              </a:tr>
-              <a:tr h="1058775">
-                <a:tc>
-                  <a:txBody>
-                    <a:bodyPr/>
-                    <a:lstStyle/>
-                    <a:p>
-                      <a:pPr algn="ctr">
-                        <a:lnSpc>
-                          <a:spcPct val="107000"/>
-                        </a:lnSpc>
-                        <a:spcAft>
-                          <a:spcPts val="800"/>
-                        </a:spcAft>
-                      </a:pPr>
-                      <a:r>
-                        <a:rPr lang="pt-BR" sz="1200" dirty="0">
-                          <a:effectLst/>
-                        </a:rPr>
-                        <a:t>REGRESSÃO LINEAR</a:t>
-                      </a:r>
-                      <a:endParaRPr lang="pt-BR" sz="1200" dirty="0">
-                        <a:effectLst/>
-                        <a:latin typeface="Calibri" panose="020F0502020204030204" pitchFamily="34" charset="0"/>
-                        <a:ea typeface="Calibri" panose="020F0502020204030204" pitchFamily="34" charset="0"/>
-                        <a:cs typeface="Times New Roman" panose="02020603050405020304" pitchFamily="18" charset="0"/>
-                      </a:endParaRPr>
-                    </a:p>
-                  </a:txBody>
-                  <a:tcPr marL="66040" marR="66040" marT="9525" marB="0" anchor="ctr"/>
-                </a:tc>
-                <a:tc>
-                  <a:txBody>
-                    <a:bodyPr/>
-                    <a:lstStyle/>
-                    <a:p>
-                      <a:pPr marL="342900" lvl="0" indent="-342900">
-                        <a:lnSpc>
-                          <a:spcPct val="107000"/>
-                        </a:lnSpc>
-                        <a:spcAft>
-                          <a:spcPts val="800"/>
-                        </a:spcAft>
-                        <a:buFont typeface="Wingdings" panose="05000000000000000000" pitchFamily="2" charset="2"/>
-                        <a:buChar char=""/>
-                        <a:tabLst>
-                          <a:tab pos="457200" algn="l"/>
-                        </a:tabLst>
-                      </a:pPr>
-                      <a:r>
-                        <a:rPr lang="pt-BR" sz="1200" dirty="0">
-                          <a:effectLst/>
-                        </a:rPr>
-                        <a:t>Tempo de treinamento foi o mais rápido dos modelos.</a:t>
-                      </a:r>
-                    </a:p>
-                  </a:txBody>
-                  <a:tcPr marL="66040" marR="66040" marT="9525" marB="0" anchor="ctr"/>
-                </a:tc>
-                <a:tc>
-                  <a:txBody>
-                    <a:bodyPr/>
-                    <a:lstStyle/>
-                    <a:p>
-                      <a:pPr marL="342900" lvl="0" indent="-342900">
-                        <a:lnSpc>
-                          <a:spcPct val="107000"/>
-                        </a:lnSpc>
-                        <a:spcAft>
-                          <a:spcPts val="800"/>
-                        </a:spcAft>
-                        <a:buFont typeface="Wingdings" panose="05000000000000000000" pitchFamily="2" charset="2"/>
-                        <a:buChar char=""/>
-                        <a:tabLst>
-                          <a:tab pos="457200" algn="l"/>
-                        </a:tabLst>
-                      </a:pPr>
-                      <a:r>
-                        <a:rPr lang="pt-BR" sz="1200" dirty="0">
-                          <a:effectLst/>
-                        </a:rPr>
-                        <a:t>Os dados devem ser independentes;</a:t>
-                      </a:r>
-                    </a:p>
-                  </a:txBody>
-                  <a:tcPr marL="66040" marR="66040" marT="9525" marB="0" anchor="ctr"/>
-                </a:tc>
-                <a:extLst>
-                  <a:ext uri="{0D108BD9-81ED-4DB2-BD59-A6C34878D82A}">
-                    <a16:rowId xmlns:a16="http://schemas.microsoft.com/office/drawing/2014/main" val="4261641914"/>
-                  </a:ext>
-                </a:extLst>
-              </a:tr>
-              <a:tr h="934174">
-                <a:tc>
-                  <a:txBody>
-                    <a:bodyPr/>
-                    <a:lstStyle/>
-                    <a:p>
-                      <a:pPr algn="ctr">
-                        <a:lnSpc>
-                          <a:spcPct val="107000"/>
-                        </a:lnSpc>
-                        <a:spcAft>
-                          <a:spcPts val="800"/>
-                        </a:spcAft>
-                      </a:pPr>
-                      <a:r>
-                        <a:rPr lang="pt-BR" sz="1200" dirty="0">
-                          <a:effectLst/>
-                        </a:rPr>
-                        <a:t>ARIMA</a:t>
-                      </a:r>
-                      <a:endParaRPr lang="pt-BR" sz="1200" dirty="0">
-                        <a:effectLst/>
-                        <a:latin typeface="Calibri" panose="020F0502020204030204" pitchFamily="34" charset="0"/>
-                        <a:ea typeface="Calibri" panose="020F0502020204030204" pitchFamily="34" charset="0"/>
-                        <a:cs typeface="Times New Roman" panose="02020603050405020304" pitchFamily="18" charset="0"/>
-                      </a:endParaRPr>
-                    </a:p>
-                  </a:txBody>
-                  <a:tcPr marL="66040" marR="66040" marT="9525" marB="0" anchor="ctr"/>
-                </a:tc>
-                <a:tc>
-                  <a:txBody>
-                    <a:bodyPr/>
-                    <a:lstStyle/>
-                    <a:p>
-                      <a:pPr marL="342900" lvl="0" indent="-342900">
-                        <a:lnSpc>
-                          <a:spcPct val="107000"/>
-                        </a:lnSpc>
-                        <a:spcAft>
-                          <a:spcPts val="800"/>
-                        </a:spcAft>
-                        <a:buFont typeface="Wingdings" panose="05000000000000000000" pitchFamily="2" charset="2"/>
-                        <a:buChar char=""/>
-                        <a:tabLst>
-                          <a:tab pos="457200" algn="l"/>
-                        </a:tabLst>
-                      </a:pPr>
-                      <a:r>
-                        <a:rPr lang="pt-BR" sz="1200" dirty="0">
-                          <a:effectLst/>
-                        </a:rPr>
-                        <a:t>Excelente para tarefas de previsões;</a:t>
-                      </a:r>
-                    </a:p>
-                    <a:p>
-                      <a:pPr marL="342900" lvl="0" indent="-342900">
-                        <a:lnSpc>
-                          <a:spcPct val="107000"/>
-                        </a:lnSpc>
-                        <a:spcAft>
-                          <a:spcPts val="800"/>
-                        </a:spcAft>
-                        <a:buFont typeface="Wingdings" panose="05000000000000000000" pitchFamily="2" charset="2"/>
-                        <a:buChar char=""/>
-                        <a:tabLst>
-                          <a:tab pos="457200" algn="l"/>
-                        </a:tabLst>
-                      </a:pPr>
-                      <a:r>
-                        <a:rPr lang="pt-BR" sz="1200" dirty="0">
-                          <a:effectLst/>
-                        </a:rPr>
-                        <a:t>Flexível e pode representar inúmeras séries.</a:t>
-                      </a:r>
-                      <a:endParaRPr lang="pt-BR" sz="1200" dirty="0">
-                        <a:effectLst/>
-                        <a:latin typeface="Calibri" panose="020F0502020204030204" pitchFamily="34" charset="0"/>
-                        <a:ea typeface="Calibri" panose="020F0502020204030204" pitchFamily="34" charset="0"/>
-                        <a:cs typeface="Times New Roman" panose="02020603050405020304" pitchFamily="18" charset="0"/>
-                      </a:endParaRPr>
-                    </a:p>
-                  </a:txBody>
-                  <a:tcPr marL="66040" marR="66040" marT="9525" marB="0" anchor="ctr"/>
-                </a:tc>
-                <a:tc>
-                  <a:txBody>
-                    <a:bodyPr/>
-                    <a:lstStyle/>
-                    <a:p>
-                      <a:pPr marL="342900" lvl="0" indent="-342900">
-                        <a:lnSpc>
-                          <a:spcPct val="107000"/>
-                        </a:lnSpc>
-                        <a:spcAft>
-                          <a:spcPts val="800"/>
-                        </a:spcAft>
-                        <a:buFont typeface="Wingdings" panose="05000000000000000000" pitchFamily="2" charset="2"/>
-                        <a:buChar char=""/>
-                        <a:tabLst>
-                          <a:tab pos="457200" algn="l"/>
-                        </a:tabLst>
-                      </a:pPr>
-                      <a:r>
-                        <a:rPr lang="pt-BR" sz="1200" dirty="0">
-                          <a:effectLst/>
-                        </a:rPr>
-                        <a:t>Não pode lidar com dados sazonais.</a:t>
-                      </a:r>
-                      <a:endParaRPr lang="pt-BR" sz="1200" dirty="0">
-                        <a:effectLst/>
-                        <a:latin typeface="Calibri" panose="020F0502020204030204" pitchFamily="34" charset="0"/>
-                        <a:ea typeface="Calibri" panose="020F0502020204030204" pitchFamily="34" charset="0"/>
-                        <a:cs typeface="Times New Roman" panose="02020603050405020304" pitchFamily="18" charset="0"/>
-                      </a:endParaRPr>
-                    </a:p>
-                  </a:txBody>
-                  <a:tcPr marL="66040" marR="66040" marT="9525" marB="0" anchor="ctr"/>
-                </a:tc>
-                <a:extLst>
-                  <a:ext uri="{0D108BD9-81ED-4DB2-BD59-A6C34878D82A}">
-                    <a16:rowId xmlns:a16="http://schemas.microsoft.com/office/drawing/2014/main" val="3471947458"/>
-                  </a:ext>
-                </a:extLst>
-              </a:tr>
-              <a:tr h="1228685">
-                <a:tc>
-                  <a:txBody>
-                    <a:bodyPr/>
-                    <a:lstStyle/>
-                    <a:p>
-                      <a:pPr algn="ctr">
-                        <a:lnSpc>
-                          <a:spcPct val="107000"/>
-                        </a:lnSpc>
-                        <a:spcAft>
-                          <a:spcPts val="800"/>
-                        </a:spcAft>
-                      </a:pPr>
-                      <a:r>
-                        <a:rPr lang="pt-BR" sz="1200" dirty="0">
-                          <a:effectLst/>
-                        </a:rPr>
-                        <a:t>MLP</a:t>
-                      </a:r>
-                      <a:endParaRPr lang="pt-BR" sz="1200" dirty="0">
-                        <a:effectLst/>
-                        <a:latin typeface="Calibri" panose="020F0502020204030204" pitchFamily="34" charset="0"/>
-                        <a:ea typeface="Calibri" panose="020F0502020204030204" pitchFamily="34" charset="0"/>
-                        <a:cs typeface="Times New Roman" panose="02020603050405020304" pitchFamily="18" charset="0"/>
-                      </a:endParaRPr>
-                    </a:p>
-                  </a:txBody>
-                  <a:tcPr marL="66040" marR="66040" marT="9525" marB="0" anchor="ctr"/>
-                </a:tc>
-                <a:tc>
-                  <a:txBody>
-                    <a:bodyPr/>
-                    <a:lstStyle/>
-                    <a:p>
-                      <a:pPr marL="342900" lvl="0" indent="-342900">
-                        <a:lnSpc>
-                          <a:spcPct val="107000"/>
-                        </a:lnSpc>
-                        <a:spcAft>
-                          <a:spcPts val="800"/>
-                        </a:spcAft>
-                        <a:buFont typeface="Wingdings" panose="05000000000000000000" pitchFamily="2" charset="2"/>
-                        <a:buChar char=""/>
-                        <a:tabLst>
-                          <a:tab pos="457200" algn="l"/>
-                        </a:tabLst>
-                      </a:pPr>
-                      <a:r>
-                        <a:rPr lang="pt-BR" sz="1200" dirty="0">
-                          <a:effectLst/>
-                        </a:rPr>
-                        <a:t>Processamento é paralelo;</a:t>
-                      </a:r>
-                    </a:p>
-                    <a:p>
-                      <a:pPr marL="342900" lvl="0" indent="-342900">
-                        <a:lnSpc>
-                          <a:spcPct val="107000"/>
-                        </a:lnSpc>
-                        <a:spcAft>
-                          <a:spcPts val="800"/>
-                        </a:spcAft>
-                        <a:buFont typeface="Wingdings" panose="05000000000000000000" pitchFamily="2" charset="2"/>
-                        <a:buChar char=""/>
-                        <a:tabLst>
-                          <a:tab pos="457200" algn="l"/>
-                        </a:tabLst>
-                      </a:pPr>
-                      <a:r>
-                        <a:rPr lang="pt-BR" sz="1200" dirty="0">
-                          <a:effectLst/>
-                        </a:rPr>
-                        <a:t>Habilidade de aprender por meio de exemplos.</a:t>
-                      </a:r>
-                      <a:endParaRPr lang="pt-BR" sz="1200" dirty="0">
-                        <a:effectLst/>
-                        <a:latin typeface="Calibri" panose="020F0502020204030204" pitchFamily="34" charset="0"/>
-                        <a:ea typeface="Calibri" panose="020F0502020204030204" pitchFamily="34" charset="0"/>
-                        <a:cs typeface="Times New Roman" panose="02020603050405020304" pitchFamily="18" charset="0"/>
-                      </a:endParaRPr>
-                    </a:p>
-                  </a:txBody>
-                  <a:tcPr marL="66040" marR="66040" marT="9525" marB="0" anchor="ctr"/>
-                </a:tc>
-                <a:tc>
-                  <a:txBody>
-                    <a:bodyPr/>
-                    <a:lstStyle/>
-                    <a:p>
-                      <a:pPr marL="342900" lvl="0" indent="-342900">
-                        <a:lnSpc>
-                          <a:spcPct val="107000"/>
-                        </a:lnSpc>
-                        <a:spcAft>
-                          <a:spcPts val="800"/>
-                        </a:spcAft>
-                        <a:buFont typeface="Wingdings" panose="05000000000000000000" pitchFamily="2" charset="2"/>
-                        <a:buChar char=""/>
-                        <a:tabLst>
-                          <a:tab pos="457200" algn="l"/>
-                        </a:tabLst>
-                      </a:pPr>
-                      <a:r>
-                        <a:rPr lang="pt-BR" sz="1200" dirty="0">
-                          <a:effectLst/>
-                        </a:rPr>
-                        <a:t>Tempo de treinamento foi o mais demorado;</a:t>
-                      </a:r>
-                    </a:p>
-                    <a:p>
-                      <a:pPr marL="342900" lvl="0" indent="-342900">
-                        <a:lnSpc>
-                          <a:spcPct val="107000"/>
-                        </a:lnSpc>
-                        <a:spcAft>
-                          <a:spcPts val="800"/>
-                        </a:spcAft>
-                        <a:buFont typeface="Wingdings" panose="05000000000000000000" pitchFamily="2" charset="2"/>
-                        <a:buChar char=""/>
-                        <a:tabLst>
-                          <a:tab pos="457200" algn="l"/>
-                        </a:tabLst>
-                      </a:pPr>
-                      <a:r>
-                        <a:rPr lang="pt-BR" sz="1200" dirty="0">
-                          <a:effectLst/>
-                        </a:rPr>
-                        <a:t>Alto consumo de recurso computacional.</a:t>
-                      </a:r>
-                      <a:endParaRPr lang="pt-BR" sz="1200" dirty="0">
-                        <a:effectLst/>
-                        <a:latin typeface="Calibri" panose="020F0502020204030204" pitchFamily="34" charset="0"/>
-                        <a:ea typeface="Calibri" panose="020F0502020204030204" pitchFamily="34" charset="0"/>
-                        <a:cs typeface="Times New Roman" panose="02020603050405020304" pitchFamily="18" charset="0"/>
-                      </a:endParaRPr>
-                    </a:p>
-                  </a:txBody>
-                  <a:tcPr marL="66040" marR="66040" marT="9525" marB="0" anchor="ctr"/>
-                </a:tc>
-                <a:extLst>
-                  <a:ext uri="{0D108BD9-81ED-4DB2-BD59-A6C34878D82A}">
-                    <a16:rowId xmlns:a16="http://schemas.microsoft.com/office/drawing/2014/main" val="3882273840"/>
-                  </a:ext>
-                </a:extLst>
-              </a:tr>
-            </a:tbl>
-          </a:graphicData>
-        </a:graphic>
-      </p:graphicFrame>
-    </p:spTree>
-    <p:extLst>
-      <p:ext uri="{BB962C8B-B14F-4D97-AF65-F5344CB8AC3E}">
-        <p14:creationId xmlns:p14="http://schemas.microsoft.com/office/powerpoint/2010/main" val="3444849893"/>
-      </p:ext>
-    </p:extLst>
-  </p:cSld>
-  <p:clrMapOvr>
-    <a:masterClrMapping/>
-  </p:clrMapOvr>
-</p:sld>
-</file>
-
-<file path=ppt/slides/slide17.xml><?xml version="1.0" encoding="utf-8"?>
 <p:sld xmlns:a="http://schemas.openxmlformats.org/drawingml/2006/main" xmlns:r="http://schemas.openxmlformats.org/officeDocument/2006/relationships" xmlns:p="http://schemas.openxmlformats.org/presentationml/2006/main">
   <p:cSld>
     <p:spTree>
